--- a/CR - Cost Report/Preparation oral/2_Resource and cost planning/Cost/Cost_plannification.pptx
+++ b/CR - Cost Report/Preparation oral/2_Resource and cost planning/Cost/Cost_plannification.pptx
@@ -2868,7 +2868,7 @@
           <a:p>
             <a:fld id="{4EF93A71-33E7-4794-AF52-48865E4EF773}" type="datetimeFigureOut">
               <a:rPr lang="fr-FR" smtClean="0"/>
-              <a:t>03/07/2019</a:t>
+              <a:t>05/07/2019</a:t>
             </a:fld>
             <a:endParaRPr lang="fr-FR"/>
           </a:p>
@@ -3038,7 +3038,7 @@
           <a:p>
             <a:fld id="{4EF93A71-33E7-4794-AF52-48865E4EF773}" type="datetimeFigureOut">
               <a:rPr lang="fr-FR" smtClean="0"/>
-              <a:t>03/07/2019</a:t>
+              <a:t>05/07/2019</a:t>
             </a:fld>
             <a:endParaRPr lang="fr-FR"/>
           </a:p>
@@ -3218,7 +3218,7 @@
           <a:p>
             <a:fld id="{4EF93A71-33E7-4794-AF52-48865E4EF773}" type="datetimeFigureOut">
               <a:rPr lang="fr-FR" smtClean="0"/>
-              <a:t>03/07/2019</a:t>
+              <a:t>05/07/2019</a:t>
             </a:fld>
             <a:endParaRPr lang="fr-FR"/>
           </a:p>
@@ -3388,7 +3388,7 @@
           <a:p>
             <a:fld id="{4EF93A71-33E7-4794-AF52-48865E4EF773}" type="datetimeFigureOut">
               <a:rPr lang="fr-FR" smtClean="0"/>
-              <a:t>03/07/2019</a:t>
+              <a:t>05/07/2019</a:t>
             </a:fld>
             <a:endParaRPr lang="fr-FR"/>
           </a:p>
@@ -3632,7 +3632,7 @@
           <a:p>
             <a:fld id="{4EF93A71-33E7-4794-AF52-48865E4EF773}" type="datetimeFigureOut">
               <a:rPr lang="fr-FR" smtClean="0"/>
-              <a:t>03/07/2019</a:t>
+              <a:t>05/07/2019</a:t>
             </a:fld>
             <a:endParaRPr lang="fr-FR"/>
           </a:p>
@@ -3864,7 +3864,7 @@
           <a:p>
             <a:fld id="{4EF93A71-33E7-4794-AF52-48865E4EF773}" type="datetimeFigureOut">
               <a:rPr lang="fr-FR" smtClean="0"/>
-              <a:t>03/07/2019</a:t>
+              <a:t>05/07/2019</a:t>
             </a:fld>
             <a:endParaRPr lang="fr-FR"/>
           </a:p>
@@ -4231,7 +4231,7 @@
           <a:p>
             <a:fld id="{4EF93A71-33E7-4794-AF52-48865E4EF773}" type="datetimeFigureOut">
               <a:rPr lang="fr-FR" smtClean="0"/>
-              <a:t>03/07/2019</a:t>
+              <a:t>05/07/2019</a:t>
             </a:fld>
             <a:endParaRPr lang="fr-FR"/>
           </a:p>
@@ -4349,7 +4349,7 @@
           <a:p>
             <a:fld id="{4EF93A71-33E7-4794-AF52-48865E4EF773}" type="datetimeFigureOut">
               <a:rPr lang="fr-FR" smtClean="0"/>
-              <a:t>03/07/2019</a:t>
+              <a:t>05/07/2019</a:t>
             </a:fld>
             <a:endParaRPr lang="fr-FR"/>
           </a:p>
@@ -4444,7 +4444,7 @@
           <a:p>
             <a:fld id="{4EF93A71-33E7-4794-AF52-48865E4EF773}" type="datetimeFigureOut">
               <a:rPr lang="fr-FR" smtClean="0"/>
-              <a:t>03/07/2019</a:t>
+              <a:t>05/07/2019</a:t>
             </a:fld>
             <a:endParaRPr lang="fr-FR"/>
           </a:p>
@@ -4721,7 +4721,7 @@
           <a:p>
             <a:fld id="{4EF93A71-33E7-4794-AF52-48865E4EF773}" type="datetimeFigureOut">
               <a:rPr lang="fr-FR" smtClean="0"/>
-              <a:t>03/07/2019</a:t>
+              <a:t>05/07/2019</a:t>
             </a:fld>
             <a:endParaRPr lang="fr-FR"/>
           </a:p>
@@ -4978,7 +4978,7 @@
           <a:p>
             <a:fld id="{4EF93A71-33E7-4794-AF52-48865E4EF773}" type="datetimeFigureOut">
               <a:rPr lang="fr-FR" smtClean="0"/>
-              <a:t>03/07/2019</a:t>
+              <a:t>05/07/2019</a:t>
             </a:fld>
             <a:endParaRPr lang="fr-FR"/>
           </a:p>
@@ -5191,7 +5191,7 @@
           <a:p>
             <a:fld id="{4EF93A71-33E7-4794-AF52-48865E4EF773}" type="datetimeFigureOut">
               <a:rPr lang="fr-FR" smtClean="0"/>
-              <a:t>03/07/2019</a:t>
+              <a:t>05/07/2019</a:t>
             </a:fld>
             <a:endParaRPr lang="fr-FR"/>
           </a:p>
@@ -6974,14 +6974,14 @@
           <a:p>
             <a:pPr algn="ctr"/>
             <a:r>
-              <a:rPr lang="en-US" sz="2000" b="1" i="0" u="none" strike="noStrike" dirty="0">
+              <a:rPr lang="en-US" sz="2000" b="1" i="0" u="none" strike="noStrike" dirty="0" smtClean="0">
                 <a:solidFill>
                   <a:schemeClr val="bg1"/>
                 </a:solidFill>
                 <a:latin typeface="Bahnschrift Condensed" panose="020B0502040204020203" pitchFamily="34" charset="0"/>
                 <a:cs typeface="Calibri"/>
               </a:rPr>
-              <a:t>51 800€</a:t>
+              <a:t>46 400€</a:t>
             </a:r>
             <a:endParaRPr lang="fr-FR" sz="2000" b="1" dirty="0">
               <a:solidFill>
@@ -8757,6 +8757,188 @@
               </a:rPr>
               <a:t>22%</a:t>
             </a:r>
+          </a:p>
+        </p:txBody>
+      </p:sp>
+      <p:sp>
+        <p:nvSpPr>
+          <p:cNvPr id="43" name="ZoneTexte 5">
+            <a:extLst>
+              <a:ext uri="{FF2B5EF4-FFF2-40B4-BE49-F238E27FC236}">
+                <a16:creationId xmlns:a16="http://schemas.microsoft.com/office/drawing/2014/main" id="{EACD6116-8D7F-44E8-B6BD-2154484AF650}"/>
+              </a:ext>
+            </a:extLst>
+          </p:cNvPr>
+          <p:cNvSpPr txBox="1"/>
+          <p:nvPr/>
+        </p:nvSpPr>
+        <p:spPr>
+          <a:xfrm>
+            <a:off x="3310427" y="4951478"/>
+            <a:ext cx="1892992" cy="531972"/>
+          </a:xfrm>
+          <a:prstGeom prst="rect">
+            <a:avLst/>
+          </a:prstGeom>
+          <a:ln/>
+        </p:spPr>
+        <p:style>
+          <a:lnRef idx="2">
+            <a:schemeClr val="dk1">
+              <a:shade val="50000"/>
+            </a:schemeClr>
+          </a:lnRef>
+          <a:fillRef idx="1">
+            <a:schemeClr val="dk1"/>
+          </a:fillRef>
+          <a:effectRef idx="0">
+            <a:schemeClr val="dk1"/>
+          </a:effectRef>
+          <a:fontRef idx="minor">
+            <a:schemeClr val="lt1"/>
+          </a:fontRef>
+        </p:style>
+        <p:txBody>
+          <a:bodyPr wrap="square" rtlCol="0" anchor="ctr"/>
+          <a:lstStyle>
+            <a:lvl1pPr marL="0" indent="0">
+              <a:defRPr sz="1100">
+                <a:solidFill>
+                  <a:schemeClr val="lt1"/>
+                </a:solidFill>
+                <a:latin typeface="+mn-lt"/>
+                <a:ea typeface="+mn-ea"/>
+                <a:cs typeface="+mn-cs"/>
+              </a:defRPr>
+            </a:lvl1pPr>
+            <a:lvl2pPr marL="457200" indent="0">
+              <a:defRPr sz="1100">
+                <a:solidFill>
+                  <a:schemeClr val="lt1"/>
+                </a:solidFill>
+                <a:latin typeface="+mn-lt"/>
+                <a:ea typeface="+mn-ea"/>
+                <a:cs typeface="+mn-cs"/>
+              </a:defRPr>
+            </a:lvl2pPr>
+            <a:lvl3pPr marL="914400" indent="0">
+              <a:defRPr sz="1100">
+                <a:solidFill>
+                  <a:schemeClr val="lt1"/>
+                </a:solidFill>
+                <a:latin typeface="+mn-lt"/>
+                <a:ea typeface="+mn-ea"/>
+                <a:cs typeface="+mn-cs"/>
+              </a:defRPr>
+            </a:lvl3pPr>
+            <a:lvl4pPr marL="1371600" indent="0">
+              <a:defRPr sz="1100">
+                <a:solidFill>
+                  <a:schemeClr val="lt1"/>
+                </a:solidFill>
+                <a:latin typeface="+mn-lt"/>
+                <a:ea typeface="+mn-ea"/>
+                <a:cs typeface="+mn-cs"/>
+              </a:defRPr>
+            </a:lvl4pPr>
+            <a:lvl5pPr marL="1828800" indent="0">
+              <a:defRPr sz="1100">
+                <a:solidFill>
+                  <a:schemeClr val="lt1"/>
+                </a:solidFill>
+                <a:latin typeface="+mn-lt"/>
+                <a:ea typeface="+mn-ea"/>
+                <a:cs typeface="+mn-cs"/>
+              </a:defRPr>
+            </a:lvl5pPr>
+            <a:lvl6pPr marL="2286000" indent="0">
+              <a:defRPr sz="1100">
+                <a:solidFill>
+                  <a:schemeClr val="lt1"/>
+                </a:solidFill>
+                <a:latin typeface="+mn-lt"/>
+                <a:ea typeface="+mn-ea"/>
+                <a:cs typeface="+mn-cs"/>
+              </a:defRPr>
+            </a:lvl6pPr>
+            <a:lvl7pPr marL="2743200" indent="0">
+              <a:defRPr sz="1100">
+                <a:solidFill>
+                  <a:schemeClr val="lt1"/>
+                </a:solidFill>
+                <a:latin typeface="+mn-lt"/>
+                <a:ea typeface="+mn-ea"/>
+                <a:cs typeface="+mn-cs"/>
+              </a:defRPr>
+            </a:lvl7pPr>
+            <a:lvl8pPr marL="3200400" indent="0">
+              <a:defRPr sz="1100">
+                <a:solidFill>
+                  <a:schemeClr val="lt1"/>
+                </a:solidFill>
+                <a:latin typeface="+mn-lt"/>
+                <a:ea typeface="+mn-ea"/>
+                <a:cs typeface="+mn-cs"/>
+              </a:defRPr>
+            </a:lvl8pPr>
+            <a:lvl9pPr marL="3657600" indent="0">
+              <a:defRPr sz="1100">
+                <a:solidFill>
+                  <a:schemeClr val="lt1"/>
+                </a:solidFill>
+                <a:latin typeface="+mn-lt"/>
+                <a:ea typeface="+mn-ea"/>
+                <a:cs typeface="+mn-cs"/>
+              </a:defRPr>
+            </a:lvl9pPr>
+          </a:lstStyle>
+          <a:p>
+            <a:pPr algn="ctr"/>
+            <a:r>
+              <a:rPr lang="en-US" sz="2000" b="1" i="0" u="none" strike="noStrike" dirty="0" smtClean="0">
+                <a:solidFill>
+                  <a:schemeClr val="bg1"/>
+                </a:solidFill>
+                <a:latin typeface="Bahnschrift Condensed" panose="020B0502040204020203" pitchFamily="34" charset="0"/>
+                <a:cs typeface="Calibri"/>
+              </a:rPr>
+              <a:t>Financial provisions:</a:t>
+            </a:r>
+            <a:br>
+              <a:rPr lang="en-US" sz="2000" b="1" i="0" u="none" strike="noStrike" dirty="0" smtClean="0">
+                <a:solidFill>
+                  <a:schemeClr val="bg1"/>
+                </a:solidFill>
+                <a:latin typeface="Bahnschrift Condensed" panose="020B0502040204020203" pitchFamily="34" charset="0"/>
+                <a:cs typeface="Calibri"/>
+              </a:rPr>
+            </a:br>
+            <a:r>
+              <a:rPr lang="en-US" sz="2000" b="1" dirty="0">
+                <a:solidFill>
+                  <a:schemeClr val="bg1"/>
+                </a:solidFill>
+                <a:latin typeface="Bahnschrift Condensed" panose="020B0502040204020203" pitchFamily="34" charset="0"/>
+                <a:cs typeface="Calibri"/>
+              </a:rPr>
+              <a:t>5 </a:t>
+            </a:r>
+            <a:r>
+              <a:rPr lang="en-US" sz="2000" b="1" dirty="0" smtClean="0">
+                <a:solidFill>
+                  <a:schemeClr val="bg1"/>
+                </a:solidFill>
+                <a:latin typeface="Bahnschrift Condensed" panose="020B0502040204020203" pitchFamily="34" charset="0"/>
+                <a:cs typeface="Calibri"/>
+              </a:rPr>
+              <a:t>400€</a:t>
+            </a:r>
+            <a:endParaRPr lang="fr-FR" sz="2000" b="1" dirty="0">
+              <a:solidFill>
+                <a:schemeClr val="bg1"/>
+              </a:solidFill>
+              <a:latin typeface="Bahnschrift Condensed" panose="020B0502040204020203" pitchFamily="34" charset="0"/>
+            </a:endParaRPr>
           </a:p>
         </p:txBody>
       </p:sp>
